--- a/Documents/Events Threads and Async Methods.pptx
+++ b/Documents/Events Threads and Async Methods.pptx
@@ -2983,7 +2983,7 @@
                 <a:tabLst/>
                 <a:defRPr/>
               </a:pPr>
-              <a:t>12/17/2023 12:15 PM</a:t>
+              <a:t>12/17/2023 2:56 PM</a:t>
             </a:fld>
             <a:endParaRPr kumimoji="0" lang="en-US" sz="1800" b="0" i="0" u="none" strike="noStrike" kern="0" cap="none" spc="0" normalizeH="0" baseline="0" noProof="0" dirty="0">
               <a:ln>
@@ -17323,8 +17323,8 @@
               <a:t>1. קודם מגדירים את החתימה של הפעולה בעזרת </a:t>
             </a:r>
             <a:r>
-              <a:rPr lang="en-US" altLang="en-US" sz="2400" dirty="0"/>
-              <a:t>delegate</a:t>
+              <a:rPr lang="en-US" altLang="en-US" sz="2400" dirty="0" err="1"/>
+              <a:t>EventHandler</a:t>
             </a:r>
             <a:br>
               <a:rPr lang="he-IL" altLang="en-US" sz="2400" dirty="0"/>
@@ -17339,11 +17339,7 @@
             </a:r>
             <a:r>
               <a:rPr lang="he-IL" altLang="en-US" sz="2400" dirty="0"/>
-              <a:t> שזה בעצם משתנה שהטיפוס שלו – הפניה לפעולה לפי החתימה שמוגדרת ב </a:t>
-            </a:r>
-            <a:r>
-              <a:rPr lang="en-US" altLang="en-US" sz="2400" dirty="0"/>
-              <a:t>delegate</a:t>
+              <a:t> שזה בעצם משתנה שהטיפוס שלו – הפניה לפעולה</a:t>
             </a:r>
             <a:br>
               <a:rPr lang="en-US" altLang="en-US" sz="2400" dirty="0"/>
@@ -17429,7 +17425,7 @@
         <p:spPr>
           <a:xfrm>
             <a:off x="0" y="-69492"/>
-            <a:ext cx="4761743" cy="3477875"/>
+            <a:ext cx="4761743" cy="3308598"/>
           </a:xfrm>
           <a:prstGeom prst="rect">
             <a:avLst/>
@@ -17562,7 +17558,20 @@
             </a:r>
             <a:r>
               <a:rPr lang="en-US" sz="1100" dirty="0"/>
-              <a:t>(this, (i+1) * 10);</a:t>
+              <a:t>(this, </a:t>
+            </a:r>
+            <a:r>
+              <a:rPr lang="en-US" sz="1200" dirty="0">
+                <a:solidFill>
+                  <a:srgbClr val="2B91AF"/>
+                </a:solidFill>
+                <a:latin typeface="Cascadia Mono" panose="020B0609020000020004" pitchFamily="49" charset="0"/>
+              </a:rPr>
+              <a:t>new</a:t>
+            </a:r>
+            <a:r>
+              <a:rPr lang="en-US" sz="1100" dirty="0"/>
+              <a:t>(i+1) * 10);</a:t>
             </a:r>
           </a:p>
           <a:p>
@@ -17617,15 +17626,7 @@
             <a:pPr algn="l" rtl="0"/>
             <a:r>
               <a:rPr lang="en-US" sz="1100" dirty="0"/>
-              <a:t>        public delegate void </a:t>
-            </a:r>
-            <a:r>
-              <a:rPr lang="en-US" sz="1100" dirty="0" err="1"/>
-              <a:t>ProgressEventHandler</a:t>
-            </a:r>
-            <a:r>
-              <a:rPr lang="en-US" sz="1100" dirty="0"/>
-              <a:t>(Object sender, int percent);</a:t>
+              <a:t>        </a:t>
             </a:r>
           </a:p>
           <a:p>
@@ -17636,11 +17637,19 @@
             </a:r>
             <a:r>
               <a:rPr lang="en-US" sz="1100" dirty="0" err="1"/>
-              <a:t>ProgressEventHandler</a:t>
+              <a:t>EventHandler</a:t>
             </a:r>
             <a:r>
               <a:rPr lang="en-US" sz="1100" dirty="0"/>
-              <a:t> </a:t>
+              <a:t>&lt;</a:t>
+            </a:r>
+            <a:r>
+              <a:rPr lang="en-US" sz="1100" dirty="0" err="1"/>
+              <a:t>ProgressEventArgs</a:t>
+            </a:r>
+            <a:r>
+              <a:rPr lang="en-US" sz="1100" dirty="0"/>
+              <a:t>&gt; </a:t>
             </a:r>
             <a:r>
               <a:rPr lang="en-US" sz="1100" dirty="0" err="1"/>
@@ -17662,26 +17671,11 @@
             <a:pPr algn="l" rtl="0"/>
             <a:r>
               <a:rPr lang="en-US" sz="1100" dirty="0"/>
-              <a:t>        public delegate void </a:t>
+              <a:t>public event </a:t>
             </a:r>
             <a:r>
               <a:rPr lang="en-US" sz="1100" dirty="0" err="1"/>
-              <a:t>TaskDoneEventHandler</a:t>
-            </a:r>
-            <a:r>
-              <a:rPr lang="en-US" sz="1100" dirty="0"/>
-              <a:t>(Object sender);</a:t>
-            </a:r>
-          </a:p>
-          <a:p>
-            <a:pPr algn="l" rtl="0"/>
-            <a:r>
-              <a:rPr lang="en-US" sz="1100" dirty="0"/>
-              <a:t>        public event </a:t>
-            </a:r>
-            <a:r>
-              <a:rPr lang="en-US" sz="1100" dirty="0" err="1"/>
-              <a:t>TaskDoneEventHandler</a:t>
+              <a:t>EventHandler</a:t>
             </a:r>
             <a:r>
               <a:rPr lang="en-US" sz="1100" dirty="0"/>
@@ -17721,7 +17715,7 @@
         <p:spPr>
           <a:xfrm>
             <a:off x="-17658" y="3263023"/>
-            <a:ext cx="6094602" cy="3600986"/>
+            <a:ext cx="6094602" cy="3493264"/>
           </a:xfrm>
           <a:prstGeom prst="rect">
             <a:avLst/>
@@ -17882,97 +17876,332 @@
           <a:p>
             <a:pPr algn="l" rtl="0"/>
             <a:r>
-              <a:rPr lang="en-US" sz="1200" dirty="0"/>
-              <a:t>        static void Progress(Object sender, int percent)</a:t>
+              <a:rPr lang="en-US" sz="1100" dirty="0"/>
+              <a:t>        </a:t>
+            </a:r>
+            <a:r>
+              <a:rPr lang="en-GB" sz="1100" dirty="0">
+                <a:solidFill>
+                  <a:srgbClr val="000000"/>
+                </a:solidFill>
+                <a:latin typeface="Cascadia Mono" panose="020B0609020000020004" pitchFamily="49" charset="0"/>
+              </a:rPr>
+              <a:t> </a:t>
+            </a:r>
+            <a:r>
+              <a:rPr lang="en-GB" sz="1100" dirty="0">
+                <a:solidFill>
+                  <a:srgbClr val="0000FF"/>
+                </a:solidFill>
+                <a:latin typeface="Cascadia Mono" panose="020B0609020000020004" pitchFamily="49" charset="0"/>
+              </a:rPr>
+              <a:t>static</a:t>
+            </a:r>
+            <a:r>
+              <a:rPr lang="en-GB" sz="1100" dirty="0">
+                <a:solidFill>
+                  <a:srgbClr val="000000"/>
+                </a:solidFill>
+                <a:latin typeface="Cascadia Mono" panose="020B0609020000020004" pitchFamily="49" charset="0"/>
+              </a:rPr>
+              <a:t> </a:t>
+            </a:r>
+            <a:r>
+              <a:rPr lang="en-GB" sz="1100" dirty="0">
+                <a:solidFill>
+                  <a:srgbClr val="0000FF"/>
+                </a:solidFill>
+                <a:latin typeface="Cascadia Mono" panose="020B0609020000020004" pitchFamily="49" charset="0"/>
+              </a:rPr>
+              <a:t>void</a:t>
+            </a:r>
+            <a:r>
+              <a:rPr lang="en-GB" sz="1100" dirty="0">
+                <a:solidFill>
+                  <a:srgbClr val="000000"/>
+                </a:solidFill>
+                <a:latin typeface="Cascadia Mono" panose="020B0609020000020004" pitchFamily="49" charset="0"/>
+              </a:rPr>
+              <a:t> Progress(Object sender, </a:t>
+            </a:r>
+            <a:r>
+              <a:rPr lang="en-GB" sz="1100" dirty="0" err="1">
+                <a:solidFill>
+                  <a:srgbClr val="000000"/>
+                </a:solidFill>
+                <a:latin typeface="Cascadia Mono" panose="020B0609020000020004" pitchFamily="49" charset="0"/>
+              </a:rPr>
+              <a:t>ProgressEventArgs</a:t>
+            </a:r>
+            <a:r>
+              <a:rPr lang="en-GB" sz="1100" dirty="0">
+                <a:solidFill>
+                  <a:srgbClr val="000000"/>
+                </a:solidFill>
+                <a:latin typeface="Cascadia Mono" panose="020B0609020000020004" pitchFamily="49" charset="0"/>
+              </a:rPr>
+              <a:t> e)</a:t>
             </a:r>
           </a:p>
           <a:p>
             <a:pPr algn="l" rtl="0"/>
             <a:r>
-              <a:rPr lang="en-US" sz="1200" dirty="0"/>
+              <a:rPr lang="he-IL" sz="1100" dirty="0">
+                <a:solidFill>
+                  <a:srgbClr val="000000"/>
+                </a:solidFill>
+                <a:latin typeface="Cascadia Mono" panose="020B0609020000020004" pitchFamily="49" charset="0"/>
+              </a:rPr>
+              <a:t>}</a:t>
+            </a:r>
+          </a:p>
+          <a:p>
+            <a:pPr algn="l" rtl="0"/>
+            <a:r>
+              <a:rPr lang="en-US" sz="1100" dirty="0">
+                <a:solidFill>
+                  <a:srgbClr val="000000"/>
+                </a:solidFill>
+                <a:latin typeface="Cascadia Mono" panose="020B0609020000020004" pitchFamily="49" charset="0"/>
+              </a:rPr>
+              <a:t>            </a:t>
+            </a:r>
+            <a:r>
+              <a:rPr lang="en-US" sz="1100" dirty="0">
+                <a:solidFill>
+                  <a:srgbClr val="0000FF"/>
+                </a:solidFill>
+                <a:latin typeface="Cascadia Mono" panose="020B0609020000020004" pitchFamily="49" charset="0"/>
+              </a:rPr>
+              <a:t>if</a:t>
+            </a:r>
+            <a:r>
+              <a:rPr lang="en-US" sz="1100" dirty="0">
+                <a:solidFill>
+                  <a:srgbClr val="000000"/>
+                </a:solidFill>
+                <a:latin typeface="Cascadia Mono" panose="020B0609020000020004" pitchFamily="49" charset="0"/>
+              </a:rPr>
+              <a:t> (sender </a:t>
+            </a:r>
+            <a:r>
+              <a:rPr lang="en-US" sz="1100" dirty="0">
+                <a:solidFill>
+                  <a:srgbClr val="0000FF"/>
+                </a:solidFill>
+                <a:latin typeface="Cascadia Mono" panose="020B0609020000020004" pitchFamily="49" charset="0"/>
+              </a:rPr>
+              <a:t>is</a:t>
+            </a:r>
+            <a:r>
+              <a:rPr lang="en-US" sz="1100" dirty="0">
+                <a:solidFill>
+                  <a:srgbClr val="000000"/>
+                </a:solidFill>
+                <a:latin typeface="Cascadia Mono" panose="020B0609020000020004" pitchFamily="49" charset="0"/>
+              </a:rPr>
+              <a:t> </a:t>
+            </a:r>
+            <a:r>
+              <a:rPr lang="en-US" sz="1100" dirty="0" err="1">
+                <a:solidFill>
+                  <a:srgbClr val="000000"/>
+                </a:solidFill>
+                <a:latin typeface="Cascadia Mono" panose="020B0609020000020004" pitchFamily="49" charset="0"/>
+              </a:rPr>
+              <a:t>TaskExecutor</a:t>
+            </a:r>
+            <a:r>
+              <a:rPr lang="en-US" sz="1100" dirty="0">
+                <a:solidFill>
+                  <a:srgbClr val="000000"/>
+                </a:solidFill>
+                <a:latin typeface="Cascadia Mono" panose="020B0609020000020004" pitchFamily="49" charset="0"/>
+              </a:rPr>
+              <a:t>)</a:t>
+            </a:r>
+          </a:p>
+          <a:p>
+            <a:pPr algn="l" rtl="0"/>
+            <a:r>
+              <a:rPr lang="he-IL" sz="1100" dirty="0">
+                <a:solidFill>
+                  <a:srgbClr val="000000"/>
+                </a:solidFill>
+                <a:latin typeface="Cascadia Mono" panose="020B0609020000020004" pitchFamily="49" charset="0"/>
+              </a:rPr>
+              <a:t>            }</a:t>
+            </a:r>
+          </a:p>
+          <a:p>
+            <a:pPr algn="l" rtl="0"/>
+            <a:r>
+              <a:rPr lang="en-US" sz="1100" dirty="0">
+                <a:solidFill>
+                  <a:srgbClr val="000000"/>
+                </a:solidFill>
+                <a:latin typeface="Cascadia Mono" panose="020B0609020000020004" pitchFamily="49" charset="0"/>
+              </a:rPr>
+              <a:t>                </a:t>
+            </a:r>
+            <a:r>
+              <a:rPr lang="en-US" sz="1100" dirty="0" err="1">
+                <a:solidFill>
+                  <a:srgbClr val="000000"/>
+                </a:solidFill>
+                <a:latin typeface="Cascadia Mono" panose="020B0609020000020004" pitchFamily="49" charset="0"/>
+              </a:rPr>
+              <a:t>TaskExecutor</a:t>
+            </a:r>
+            <a:r>
+              <a:rPr lang="en-US" sz="1100" dirty="0">
+                <a:solidFill>
+                  <a:srgbClr val="000000"/>
+                </a:solidFill>
+                <a:latin typeface="Cascadia Mono" panose="020B0609020000020004" pitchFamily="49" charset="0"/>
+              </a:rPr>
+              <a:t> obj = (</a:t>
+            </a:r>
+            <a:r>
+              <a:rPr lang="en-US" sz="1100" dirty="0" err="1">
+                <a:solidFill>
+                  <a:srgbClr val="000000"/>
+                </a:solidFill>
+                <a:latin typeface="Cascadia Mono" panose="020B0609020000020004" pitchFamily="49" charset="0"/>
+              </a:rPr>
+              <a:t>TaskExecutor</a:t>
+            </a:r>
+            <a:r>
+              <a:rPr lang="en-US" sz="1100" dirty="0">
+                <a:solidFill>
+                  <a:srgbClr val="000000"/>
+                </a:solidFill>
+                <a:latin typeface="Cascadia Mono" panose="020B0609020000020004" pitchFamily="49" charset="0"/>
+              </a:rPr>
+              <a:t>)sender;</a:t>
+            </a:r>
+          </a:p>
+          <a:p>
+            <a:pPr algn="l" rtl="0"/>
+            <a:r>
+              <a:rPr lang="en-GB" sz="1100" dirty="0">
+                <a:solidFill>
+                  <a:srgbClr val="000000"/>
+                </a:solidFill>
+                <a:latin typeface="Cascadia Mono" panose="020B0609020000020004" pitchFamily="49" charset="0"/>
+              </a:rPr>
+              <a:t>                Console.WriteLine(</a:t>
+            </a:r>
+            <a:r>
+              <a:rPr lang="en-GB" sz="1100" dirty="0">
+                <a:solidFill>
+                  <a:srgbClr val="A31515"/>
+                </a:solidFill>
+                <a:latin typeface="Cascadia Mono" panose="020B0609020000020004" pitchFamily="49" charset="0"/>
+              </a:rPr>
+              <a:t>$"Progress for </a:t>
+            </a:r>
+            <a:r>
+              <a:rPr lang="en-GB" sz="1100" dirty="0">
+                <a:solidFill>
+                  <a:srgbClr val="000000"/>
+                </a:solidFill>
+                <a:latin typeface="Cascadia Mono" panose="020B0609020000020004" pitchFamily="49" charset="0"/>
+              </a:rPr>
+              <a:t>{</a:t>
+            </a:r>
+            <a:r>
+              <a:rPr lang="en-GB" sz="1100" dirty="0" err="1">
+                <a:solidFill>
+                  <a:srgbClr val="000000"/>
+                </a:solidFill>
+                <a:latin typeface="Cascadia Mono" panose="020B0609020000020004" pitchFamily="49" charset="0"/>
+              </a:rPr>
+              <a:t>obj.Name</a:t>
+            </a:r>
+            <a:r>
+              <a:rPr lang="en-GB" sz="1100" dirty="0">
+                <a:solidFill>
+                  <a:srgbClr val="000000"/>
+                </a:solidFill>
+                <a:latin typeface="Cascadia Mono" panose="020B0609020000020004" pitchFamily="49" charset="0"/>
+              </a:rPr>
+              <a:t>}</a:t>
+            </a:r>
+            <a:r>
+              <a:rPr lang="en-GB" sz="1100" dirty="0">
+                <a:solidFill>
+                  <a:srgbClr val="A31515"/>
+                </a:solidFill>
+                <a:latin typeface="Cascadia Mono" panose="020B0609020000020004" pitchFamily="49" charset="0"/>
+              </a:rPr>
+              <a:t>: </a:t>
+            </a:r>
+            <a:r>
+              <a:rPr lang="en-GB" sz="1100" dirty="0">
+                <a:solidFill>
+                  <a:srgbClr val="000000"/>
+                </a:solidFill>
+                <a:latin typeface="Cascadia Mono" panose="020B0609020000020004" pitchFamily="49" charset="0"/>
+              </a:rPr>
+              <a:t>{</a:t>
+            </a:r>
+            <a:r>
+              <a:rPr lang="en-GB" sz="1100" dirty="0" err="1">
+                <a:solidFill>
+                  <a:srgbClr val="000000"/>
+                </a:solidFill>
+                <a:latin typeface="Cascadia Mono" panose="020B0609020000020004" pitchFamily="49" charset="0"/>
+              </a:rPr>
+              <a:t>e.Percentage</a:t>
+            </a:r>
+            <a:r>
+              <a:rPr lang="en-GB" sz="1100" dirty="0">
+                <a:solidFill>
+                  <a:srgbClr val="000000"/>
+                </a:solidFill>
+                <a:latin typeface="Cascadia Mono" panose="020B0609020000020004" pitchFamily="49" charset="0"/>
+              </a:rPr>
+              <a:t>}</a:t>
+            </a:r>
+            <a:r>
+              <a:rPr lang="en-GB" sz="1100" dirty="0">
+                <a:solidFill>
+                  <a:srgbClr val="A31515"/>
+                </a:solidFill>
+                <a:latin typeface="Cascadia Mono" panose="020B0609020000020004" pitchFamily="49" charset="0"/>
+              </a:rPr>
+              <a:t>%"</a:t>
+            </a:r>
+            <a:r>
+              <a:rPr lang="en-GB" sz="1100" dirty="0">
+                <a:solidFill>
+                  <a:srgbClr val="000000"/>
+                </a:solidFill>
+                <a:latin typeface="Cascadia Mono" panose="020B0609020000020004" pitchFamily="49" charset="0"/>
+              </a:rPr>
+              <a:t>);</a:t>
+            </a:r>
+            <a:r>
+              <a:rPr lang="he-IL" sz="1100" dirty="0">
+                <a:solidFill>
+                  <a:srgbClr val="000000"/>
+                </a:solidFill>
+                <a:latin typeface="Cascadia Mono" panose="020B0609020000020004" pitchFamily="49" charset="0"/>
+              </a:rPr>
+              <a:t>            {</a:t>
+            </a:r>
+          </a:p>
+          <a:p>
+            <a:pPr algn="l" rtl="0"/>
+            <a:r>
+              <a:rPr lang="he-IL" sz="1200" dirty="0">
+                <a:solidFill>
+                  <a:srgbClr val="000000"/>
+                </a:solidFill>
+                <a:latin typeface="Cascadia Mono" panose="020B0609020000020004" pitchFamily="49" charset="0"/>
+              </a:rPr>
               <a:t>        {</a:t>
-            </a:r>
-          </a:p>
-          <a:p>
-            <a:pPr algn="l" rtl="0"/>
-            <a:r>
-              <a:rPr lang="en-US" sz="1200" dirty="0"/>
-              <a:t>            if (sender is </a:t>
-            </a:r>
-            <a:r>
-              <a:rPr lang="en-US" sz="1200" dirty="0" err="1"/>
-              <a:t>TaskExecutor</a:t>
-            </a:r>
-            <a:r>
-              <a:rPr lang="en-US" sz="1200" dirty="0"/>
-              <a:t>)</a:t>
-            </a:r>
-          </a:p>
-          <a:p>
-            <a:pPr algn="l" rtl="0"/>
-            <a:r>
-              <a:rPr lang="en-US" sz="1200" dirty="0"/>
-              <a:t>            {</a:t>
-            </a:r>
-          </a:p>
-          <a:p>
-            <a:pPr algn="l" rtl="0"/>
-            <a:r>
-              <a:rPr lang="en-US" sz="1200" dirty="0"/>
-              <a:t>                </a:t>
-            </a:r>
-            <a:r>
-              <a:rPr lang="en-US" sz="1200" dirty="0" err="1"/>
-              <a:t>TaskExecutor</a:t>
-            </a:r>
-            <a:r>
-              <a:rPr lang="en-US" sz="1200" dirty="0"/>
-              <a:t> obj = (</a:t>
-            </a:r>
-            <a:r>
-              <a:rPr lang="en-US" sz="1200" dirty="0" err="1"/>
-              <a:t>TaskExecutor</a:t>
-            </a:r>
-            <a:r>
-              <a:rPr lang="en-US" sz="1200" dirty="0"/>
-              <a:t>)sender;</a:t>
-            </a:r>
-          </a:p>
-          <a:p>
-            <a:pPr algn="l" rtl="0"/>
-            <a:r>
-              <a:rPr lang="en-US" sz="1200" dirty="0"/>
-              <a:t>                </a:t>
-            </a:r>
-            <a:r>
-              <a:rPr lang="en-US" sz="1200" dirty="0" err="1"/>
-              <a:t>Console.WriteLine</a:t>
-            </a:r>
-            <a:r>
-              <a:rPr lang="en-US" sz="1200" dirty="0"/>
-              <a:t>($"Progress for {</a:t>
-            </a:r>
-            <a:r>
-              <a:rPr lang="en-US" sz="1200" dirty="0" err="1"/>
-              <a:t>obj.Name</a:t>
-            </a:r>
-            <a:r>
-              <a:rPr lang="en-US" sz="1200" dirty="0"/>
-              <a:t>}: {percent}%");</a:t>
-            </a:r>
-          </a:p>
-          <a:p>
-            <a:pPr algn="l" rtl="0"/>
-            <a:r>
-              <a:rPr lang="en-US" sz="1200" dirty="0"/>
-              <a:t>            }</a:t>
-            </a:r>
-          </a:p>
-          <a:p>
-            <a:pPr algn="l" rtl="0"/>
-            <a:r>
-              <a:rPr lang="en-US" sz="1200" dirty="0"/>
-              <a:t>        }</a:t>
             </a:r>
             <a:endParaRPr lang="he-IL" sz="1200" dirty="0"/>
           </a:p>
@@ -20550,13 +20779,13 @@
   <p:clrMapOvr>
     <a:masterClrMapping/>
   </p:clrMapOvr>
-  <mc:AlternateContent xmlns:mc="http://schemas.openxmlformats.org/markup-compatibility/2006">
-    <mc:Choice xmlns:p14="http://schemas.microsoft.com/office/powerpoint/2010/main" Requires="p14">
+  <mc:AlternateContent xmlns:mc="http://schemas.openxmlformats.org/markup-compatibility/2006" xmlns:p14="http://schemas.microsoft.com/office/powerpoint/2010/main">
+    <mc:Choice Requires="p14">
       <p:transition spd="med" p14:dur="700">
         <p:fade/>
       </p:transition>
     </mc:Choice>
-    <mc:Fallback>
+    <mc:Fallback xmlns="">
       <p:transition spd="med">
         <p:fade/>
       </p:transition>
@@ -20869,13 +21098,13 @@
   <p:clrMapOvr>
     <a:masterClrMapping/>
   </p:clrMapOvr>
-  <mc:AlternateContent xmlns:mc="http://schemas.openxmlformats.org/markup-compatibility/2006">
-    <mc:Choice xmlns:p14="http://schemas.microsoft.com/office/powerpoint/2010/main" Requires="p14">
+  <mc:AlternateContent xmlns:mc="http://schemas.openxmlformats.org/markup-compatibility/2006" xmlns:p14="http://schemas.microsoft.com/office/powerpoint/2010/main">
+    <mc:Choice Requires="p14">
       <p:transition spd="med" p14:dur="700">
         <p:fade/>
       </p:transition>
     </mc:Choice>
-    <mc:Fallback>
+    <mc:Fallback xmlns="">
       <p:transition spd="med">
         <p:fade/>
       </p:transition>
@@ -21064,13 +21293,13 @@
   <p:clrMapOvr>
     <a:masterClrMapping/>
   </p:clrMapOvr>
-  <mc:AlternateContent xmlns:mc="http://schemas.openxmlformats.org/markup-compatibility/2006">
-    <mc:Choice xmlns:p14="http://schemas.microsoft.com/office/powerpoint/2010/main" Requires="p14">
+  <mc:AlternateContent xmlns:mc="http://schemas.openxmlformats.org/markup-compatibility/2006" xmlns:p14="http://schemas.microsoft.com/office/powerpoint/2010/main">
+    <mc:Choice Requires="p14">
       <p:transition spd="med" p14:dur="700">
         <p:fade/>
       </p:transition>
     </mc:Choice>
-    <mc:Fallback>
+    <mc:Fallback xmlns="">
       <p:transition spd="med">
         <p:fade/>
       </p:transition>
@@ -21193,13 +21422,13 @@
   <p:clrMapOvr>
     <a:masterClrMapping/>
   </p:clrMapOvr>
-  <mc:AlternateContent xmlns:mc="http://schemas.openxmlformats.org/markup-compatibility/2006">
-    <mc:Choice xmlns:p14="http://schemas.microsoft.com/office/powerpoint/2010/main" Requires="p14">
+  <mc:AlternateContent xmlns:mc="http://schemas.openxmlformats.org/markup-compatibility/2006" xmlns:p14="http://schemas.microsoft.com/office/powerpoint/2010/main">
+    <mc:Choice Requires="p14">
       <p:transition spd="med" p14:dur="700">
         <p:fade/>
       </p:transition>
     </mc:Choice>
-    <mc:Fallback>
+    <mc:Fallback xmlns="">
       <p:transition spd="med">
         <p:fade/>
       </p:transition>
@@ -25802,6 +26031,96 @@
           <a:chExt cx="0" cy="0"/>
         </a:xfrm>
       </p:grpSpPr>
+      <p:pic>
+        <p:nvPicPr>
+          <p:cNvPr id="23" name="תמונה 22">
+            <a:extLst>
+              <a:ext uri="{FF2B5EF4-FFF2-40B4-BE49-F238E27FC236}">
+                <a16:creationId xmlns:a16="http://schemas.microsoft.com/office/drawing/2014/main" id="{41C24DF8-A6CF-58CE-AB29-3EBB15186A1D}"/>
+              </a:ext>
+            </a:extLst>
+          </p:cNvPr>
+          <p:cNvPicPr>
+            <a:picLocks noChangeAspect="1"/>
+          </p:cNvPicPr>
+          <p:nvPr/>
+        </p:nvPicPr>
+        <p:blipFill>
+          <a:blip r:embed="rId3"/>
+          <a:stretch>
+            <a:fillRect/>
+          </a:stretch>
+        </p:blipFill>
+        <p:spPr>
+          <a:xfrm>
+            <a:off x="2567608" y="116050"/>
+            <a:ext cx="2574767" cy="1257317"/>
+          </a:xfrm>
+          <a:prstGeom prst="rect">
+            <a:avLst/>
+          </a:prstGeom>
+        </p:spPr>
+      </p:pic>
+      <p:pic>
+        <p:nvPicPr>
+          <p:cNvPr id="12" name="תמונה 11">
+            <a:extLst>
+              <a:ext uri="{FF2B5EF4-FFF2-40B4-BE49-F238E27FC236}">
+                <a16:creationId xmlns:a16="http://schemas.microsoft.com/office/drawing/2014/main" id="{B2BBBB00-D3E2-92D2-BE83-E50E41EE9CC8}"/>
+              </a:ext>
+            </a:extLst>
+          </p:cNvPr>
+          <p:cNvPicPr>
+            <a:picLocks noChangeAspect="1"/>
+          </p:cNvPicPr>
+          <p:nvPr/>
+        </p:nvPicPr>
+        <p:blipFill>
+          <a:blip r:embed="rId4"/>
+          <a:stretch>
+            <a:fillRect/>
+          </a:stretch>
+        </p:blipFill>
+        <p:spPr>
+          <a:xfrm>
+            <a:off x="2315580" y="2102985"/>
+            <a:ext cx="4536504" cy="1420867"/>
+          </a:xfrm>
+          <a:prstGeom prst="rect">
+            <a:avLst/>
+          </a:prstGeom>
+        </p:spPr>
+      </p:pic>
+      <p:pic>
+        <p:nvPicPr>
+          <p:cNvPr id="7" name="תמונה 6">
+            <a:extLst>
+              <a:ext uri="{FF2B5EF4-FFF2-40B4-BE49-F238E27FC236}">
+                <a16:creationId xmlns:a16="http://schemas.microsoft.com/office/drawing/2014/main" id="{C98243C4-E3AC-FE23-3752-12D848184C7E}"/>
+              </a:ext>
+            </a:extLst>
+          </p:cNvPr>
+          <p:cNvPicPr>
+            <a:picLocks noChangeAspect="1"/>
+          </p:cNvPicPr>
+          <p:nvPr/>
+        </p:nvPicPr>
+        <p:blipFill>
+          <a:blip r:embed="rId5"/>
+          <a:stretch>
+            <a:fillRect/>
+          </a:stretch>
+        </p:blipFill>
+        <p:spPr>
+          <a:xfrm>
+            <a:off x="2435685" y="1193272"/>
+            <a:ext cx="3991631" cy="751289"/>
+          </a:xfrm>
+          <a:prstGeom prst="rect">
+            <a:avLst/>
+          </a:prstGeom>
+        </p:spPr>
+      </p:pic>
       <p:sp>
         <p:nvSpPr>
           <p:cNvPr id="2" name="כותרת 1"/>
@@ -25870,7 +26189,7 @@
             </a:r>
             <a:r>
               <a:rPr lang="en-US" altLang="en-US" sz="2400" dirty="0" err="1"/>
-              <a:t>Omlet</a:t>
+              <a:t>Omlette</a:t>
             </a:r>
             <a:r>
               <a:rPr lang="he-IL" altLang="en-US" sz="2400" dirty="0"/>
@@ -25922,7 +26241,27 @@
             </a:r>
             <a:r>
               <a:rPr lang="he-IL" altLang="en-US" sz="2400" dirty="0"/>
-              <a:t>.</a:t>
+              <a:t>. חתימת ה</a:t>
+            </a:r>
+            <a:r>
+              <a:rPr lang="en-US" altLang="en-US" sz="2400" dirty="0"/>
+              <a:t>event </a:t>
+            </a:r>
+            <a:r>
+              <a:rPr lang="en-US" altLang="en-US" sz="2400" dirty="0" err="1"/>
+              <a:t>hadler</a:t>
+            </a:r>
+            <a:r>
+              <a:rPr lang="he-IL" altLang="en-US" sz="2400" dirty="0"/>
+              <a:t> היא פעולת </a:t>
+            </a:r>
+            <a:r>
+              <a:rPr lang="en-US" altLang="en-US" sz="2400" dirty="0"/>
+              <a:t>VOID</a:t>
+            </a:r>
+            <a:r>
+              <a:rPr lang="he-IL" altLang="en-US" sz="2400" dirty="0"/>
+              <a:t> המקבלת 2 פרמטרים : אובייקט שהפעיל את האירוע ואובייקט נוסף המכיל פרטים על האירוע</a:t>
             </a:r>
             <a:endParaRPr lang="he-IL" sz="2400" dirty="0"/>
           </a:p>
@@ -26040,7 +26379,7 @@
             <a:pPr algn="ctr"/>
             <a:r>
               <a:rPr lang="en-US" dirty="0" err="1"/>
-              <a:t>Omlet</a:t>
+              <a:t>Omlette</a:t>
             </a:r>
             <a:r>
               <a:rPr lang="en-US" dirty="0"/>
@@ -26054,7 +26393,11 @@
             </a:br>
             <a:r>
               <a:rPr lang="en-US" sz="1200" dirty="0"/>
-              <a:t>Define Delegate</a:t>
+              <a:t>Define </a:t>
+            </a:r>
+            <a:r>
+              <a:rPr lang="en-US" sz="1200" dirty="0" err="1"/>
+              <a:t>EventHandler</a:t>
             </a:r>
             <a:br>
               <a:rPr lang="en-US" sz="1200" dirty="0"/>
@@ -26074,66 +26417,6 @@
           </a:p>
         </p:txBody>
       </p:sp>
-      <p:pic>
-        <p:nvPicPr>
-          <p:cNvPr id="6" name="Picture 5">
-            <a:extLst>
-              <a:ext uri="{FF2B5EF4-FFF2-40B4-BE49-F238E27FC236}">
-                <a16:creationId xmlns:a16="http://schemas.microsoft.com/office/drawing/2014/main" id="{2A9B1F79-026E-B595-0F9E-04532BF457E6}"/>
-              </a:ext>
-            </a:extLst>
-          </p:cNvPr>
-          <p:cNvPicPr>
-            <a:picLocks noChangeAspect="1"/>
-          </p:cNvPicPr>
-          <p:nvPr/>
-        </p:nvPicPr>
-        <p:blipFill>
-          <a:blip r:embed="rId3"/>
-          <a:stretch>
-            <a:fillRect/>
-          </a:stretch>
-        </p:blipFill>
-        <p:spPr>
-          <a:xfrm>
-            <a:off x="2423592" y="54214"/>
-            <a:ext cx="4896544" cy="782498"/>
-          </a:xfrm>
-          <a:prstGeom prst="rect">
-            <a:avLst/>
-          </a:prstGeom>
-        </p:spPr>
-      </p:pic>
-      <p:pic>
-        <p:nvPicPr>
-          <p:cNvPr id="8" name="Picture 7">
-            <a:extLst>
-              <a:ext uri="{FF2B5EF4-FFF2-40B4-BE49-F238E27FC236}">
-                <a16:creationId xmlns:a16="http://schemas.microsoft.com/office/drawing/2014/main" id="{3EF8480A-142C-2179-FF76-93BA9E5DEF11}"/>
-              </a:ext>
-            </a:extLst>
-          </p:cNvPr>
-          <p:cNvPicPr>
-            <a:picLocks noChangeAspect="1"/>
-          </p:cNvPicPr>
-          <p:nvPr/>
-        </p:nvPicPr>
-        <p:blipFill>
-          <a:blip r:embed="rId4"/>
-          <a:stretch>
-            <a:fillRect/>
-          </a:stretch>
-        </p:blipFill>
-        <p:spPr>
-          <a:xfrm>
-            <a:off x="2495600" y="1124744"/>
-            <a:ext cx="3295819" cy="1333569"/>
-          </a:xfrm>
-          <a:prstGeom prst="rect">
-            <a:avLst/>
-          </a:prstGeom>
-        </p:spPr>
-      </p:pic>
       <p:cxnSp>
         <p:nvCxnSpPr>
           <p:cNvPr id="10" name="Straight Arrow Connector 9">
@@ -26143,13 +26426,15 @@
               </a:ext>
             </a:extLst>
           </p:cNvPr>
-          <p:cNvCxnSpPr/>
+          <p:cNvCxnSpPr>
+            <a:cxnSpLocks/>
+          </p:cNvCxnSpPr>
           <p:nvPr/>
         </p:nvCxnSpPr>
         <p:spPr>
-          <a:xfrm flipV="1">
-            <a:off x="1847528" y="445463"/>
-            <a:ext cx="720080" cy="751289"/>
+          <a:xfrm>
+            <a:off x="1919536" y="1365296"/>
+            <a:ext cx="792088" cy="160471"/>
           </a:xfrm>
           <a:prstGeom prst="straightConnector1">
             <a:avLst/>
@@ -26189,8 +26474,8 @@
         </p:nvCxnSpPr>
         <p:spPr>
           <a:xfrm>
-            <a:off x="1883532" y="1484784"/>
-            <a:ext cx="1124398" cy="416444"/>
+            <a:off x="1801324" y="1533839"/>
+            <a:ext cx="1253261" cy="1289226"/>
           </a:xfrm>
           <a:prstGeom prst="straightConnector1">
             <a:avLst/>
@@ -26229,7 +26514,7 @@
           <p:nvPr/>
         </p:nvPicPr>
         <p:blipFill>
-          <a:blip r:embed="rId5"/>
+          <a:blip r:embed="rId6"/>
           <a:stretch>
             <a:fillRect/>
           </a:stretch>
@@ -26324,6 +26609,47 @@
           </a:fontRef>
         </p:style>
       </p:cxnSp>
+      <p:cxnSp>
+        <p:nvCxnSpPr>
+          <p:cNvPr id="25" name="Straight Arrow Connector 9">
+            <a:extLst>
+              <a:ext uri="{FF2B5EF4-FFF2-40B4-BE49-F238E27FC236}">
+                <a16:creationId xmlns:a16="http://schemas.microsoft.com/office/drawing/2014/main" id="{B624F2D7-C25C-A730-E053-1BA4B983660B}"/>
+              </a:ext>
+            </a:extLst>
+          </p:cNvPr>
+          <p:cNvCxnSpPr>
+            <a:cxnSpLocks/>
+          </p:cNvCxnSpPr>
+          <p:nvPr/>
+        </p:nvCxnSpPr>
+        <p:spPr>
+          <a:xfrm flipV="1">
+            <a:off x="1927028" y="270009"/>
+            <a:ext cx="1127557" cy="887880"/>
+          </a:xfrm>
+          <a:prstGeom prst="straightConnector1">
+            <a:avLst/>
+          </a:prstGeom>
+          <a:ln>
+            <a:tailEnd type="triangle"/>
+          </a:ln>
+        </p:spPr>
+        <p:style>
+          <a:lnRef idx="1">
+            <a:schemeClr val="accent2"/>
+          </a:lnRef>
+          <a:fillRef idx="0">
+            <a:schemeClr val="accent2"/>
+          </a:fillRef>
+          <a:effectRef idx="0">
+            <a:schemeClr val="accent2"/>
+          </a:effectRef>
+          <a:fontRef idx="minor">
+            <a:schemeClr val="tx1"/>
+          </a:fontRef>
+        </p:style>
+      </p:cxnSp>
     </p:spTree>
     <p:extLst>
       <p:ext uri="{BB962C8B-B14F-4D97-AF65-F5344CB8AC3E}">
@@ -26451,7 +26777,7 @@
         <p:spPr>
           <a:xfrm>
             <a:off x="254136" y="257155"/>
-            <a:ext cx="6489935" cy="6186309"/>
+            <a:ext cx="6489935" cy="5262979"/>
           </a:xfrm>
           <a:prstGeom prst="rect">
             <a:avLst/>
@@ -27023,16 +27349,7 @@
             </a:r>
           </a:p>
           <a:p>
-            <a:pPr algn="l" rtl="0"/>
-            <a:r>
-              <a:rPr lang="en-US" sz="1200" dirty="0">
-                <a:solidFill>
-                  <a:srgbClr val="000000"/>
-                </a:solidFill>
-                <a:latin typeface="Cascadia Mono" panose="020B0609020000020004" pitchFamily="49" charset="0"/>
-              </a:rPr>
-              <a:t>            </a:t>
-            </a:r>
+            <a:pPr lvl="2" algn="l" rtl="0"/>
             <a:r>
               <a:rPr lang="en-US" sz="1200" dirty="0">
                 <a:solidFill>
@@ -27053,7 +27370,7 @@
             </a:r>
           </a:p>
           <a:p>
-            <a:pPr algn="l" rtl="0"/>
+            <a:pPr lvl="2" algn="l" rtl="0"/>
             <a:r>
               <a:rPr lang="nn-NO" sz="1200" dirty="0">
                 <a:solidFill>
@@ -27061,7 +27378,7 @@
                 </a:solidFill>
                 <a:latin typeface="Cascadia Mono" panose="020B0609020000020004" pitchFamily="49" charset="0"/>
               </a:rPr>
-              <a:t>            </a:t>
+              <a:t> </a:t>
             </a:r>
             <a:r>
               <a:rPr lang="nn-NO" sz="1200" dirty="0">
@@ -27097,13 +27414,148 @@
                 </a:solidFill>
                 <a:latin typeface="Cascadia Mono" panose="020B0609020000020004" pitchFamily="49" charset="0"/>
               </a:rPr>
-              <a:t> i = 0; i &lt; 25; i++)</a:t>
-            </a:r>
-          </a:p>
-          <a:p>
-            <a:pPr algn="l" rtl="0"/>
-            <a:r>
-              <a:rPr lang="en-IL" sz="1200" dirty="0">
+              <a:t> i = 0; i &lt; 10; i++)</a:t>
+            </a:r>
+          </a:p>
+          <a:p>
+            <a:pPr lvl="2" algn="l" rtl="0"/>
+            <a:r>
+              <a:rPr lang="he-IL" sz="1200" dirty="0">
+                <a:solidFill>
+                  <a:srgbClr val="000000"/>
+                </a:solidFill>
+                <a:latin typeface="Cascadia Mono" panose="020B0609020000020004" pitchFamily="49" charset="0"/>
+              </a:rPr>
+              <a:t>            }</a:t>
+            </a:r>
+          </a:p>
+          <a:p>
+            <a:pPr lvl="2" algn="l" rtl="0"/>
+            <a:r>
+              <a:rPr lang="en-GB" sz="1200" dirty="0">
+                <a:solidFill>
+                  <a:srgbClr val="000000"/>
+                </a:solidFill>
+                <a:latin typeface="Cascadia Mono" panose="020B0609020000020004" pitchFamily="49" charset="0"/>
+              </a:rPr>
+              <a:t>  </a:t>
+            </a:r>
+            <a:r>
+              <a:rPr lang="en-GB" sz="1200" dirty="0" err="1">
+                <a:solidFill>
+                  <a:srgbClr val="000000"/>
+                </a:solidFill>
+                <a:latin typeface="Cascadia Mono" panose="020B0609020000020004" pitchFamily="49" charset="0"/>
+              </a:rPr>
+              <a:t>Thread.Sleep</a:t>
+            </a:r>
+            <a:r>
+              <a:rPr lang="en-GB" sz="1200" dirty="0">
+                <a:solidFill>
+                  <a:srgbClr val="000000"/>
+                </a:solidFill>
+                <a:latin typeface="Cascadia Mono" panose="020B0609020000020004" pitchFamily="49" charset="0"/>
+              </a:rPr>
+              <a:t>(</a:t>
+            </a:r>
+            <a:r>
+              <a:rPr lang="en-GB" sz="1200" dirty="0" err="1">
+                <a:solidFill>
+                  <a:srgbClr val="0000FF"/>
+                </a:solidFill>
+                <a:latin typeface="Cascadia Mono" panose="020B0609020000020004" pitchFamily="49" charset="0"/>
+              </a:rPr>
+              <a:t>this</a:t>
+            </a:r>
+            <a:r>
+              <a:rPr lang="en-GB" sz="1200" dirty="0" err="1">
+                <a:solidFill>
+                  <a:srgbClr val="000000"/>
+                </a:solidFill>
+                <a:latin typeface="Cascadia Mono" panose="020B0609020000020004" pitchFamily="49" charset="0"/>
+              </a:rPr>
+              <a:t>.timeInMiliSec</a:t>
+            </a:r>
+            <a:r>
+              <a:rPr lang="en-GB" sz="1200" dirty="0">
+                <a:solidFill>
+                  <a:srgbClr val="000000"/>
+                </a:solidFill>
+                <a:latin typeface="Cascadia Mono" panose="020B0609020000020004" pitchFamily="49" charset="0"/>
+              </a:rPr>
+              <a:t> / 10);</a:t>
+            </a:r>
+          </a:p>
+          <a:p>
+            <a:pPr lvl="2" algn="l" rtl="0"/>
+            <a:r>
+              <a:rPr lang="en-GB" sz="1200" dirty="0">
+                <a:solidFill>
+                  <a:srgbClr val="000000"/>
+                </a:solidFill>
+                <a:latin typeface="Cascadia Mono" panose="020B0609020000020004" pitchFamily="49" charset="0"/>
+              </a:rPr>
+              <a:t>  </a:t>
+            </a:r>
+            <a:r>
+              <a:rPr lang="en-GB" sz="1200" dirty="0" err="1">
+                <a:solidFill>
+                  <a:srgbClr val="000000"/>
+                </a:solidFill>
+                <a:latin typeface="Cascadia Mono" panose="020B0609020000020004" pitchFamily="49" charset="0"/>
+              </a:rPr>
+              <a:t>OnProgressUpdate</a:t>
+            </a:r>
+            <a:r>
+              <a:rPr lang="en-GB" sz="1200" dirty="0">
+                <a:solidFill>
+                  <a:srgbClr val="000000"/>
+                </a:solidFill>
+                <a:latin typeface="Cascadia Mono" panose="020B0609020000020004" pitchFamily="49" charset="0"/>
+              </a:rPr>
+              <a:t>?.Invoke(</a:t>
+            </a:r>
+            <a:r>
+              <a:rPr lang="en-GB" sz="1200" dirty="0">
+                <a:solidFill>
+                  <a:srgbClr val="0000FF"/>
+                </a:solidFill>
+                <a:latin typeface="Cascadia Mono" panose="020B0609020000020004" pitchFamily="49" charset="0"/>
+              </a:rPr>
+              <a:t>this</a:t>
+            </a:r>
+            <a:r>
+              <a:rPr lang="en-GB" sz="1200" dirty="0">
+                <a:solidFill>
+                  <a:srgbClr val="000000"/>
+                </a:solidFill>
+                <a:latin typeface="Cascadia Mono" panose="020B0609020000020004" pitchFamily="49" charset="0"/>
+              </a:rPr>
+              <a:t>, </a:t>
+            </a:r>
+            <a:r>
+              <a:rPr lang="en-GB" sz="1200" dirty="0">
+                <a:solidFill>
+                  <a:srgbClr val="0000FF"/>
+                </a:solidFill>
+                <a:latin typeface="Cascadia Mono" panose="020B0609020000020004" pitchFamily="49" charset="0"/>
+              </a:rPr>
+              <a:t>new</a:t>
+            </a:r>
+            <a:r>
+              <a:rPr lang="en-GB" sz="1200" dirty="0">
+                <a:solidFill>
+                  <a:srgbClr val="000000"/>
+                </a:solidFill>
+                <a:latin typeface="Cascadia Mono" panose="020B0609020000020004" pitchFamily="49" charset="0"/>
+              </a:rPr>
+              <a:t>((i+1)*10));</a:t>
+            </a:r>
+          </a:p>
+          <a:p>
+            <a:pPr lvl="2" algn="l" rtl="0"/>
+            <a:r>
+              <a:rPr lang="he-IL" sz="1200" dirty="0">
                 <a:solidFill>
                   <a:srgbClr val="000000"/>
                 </a:solidFill>
@@ -27113,33 +27565,24 @@
             </a:r>
           </a:p>
           <a:p>
-            <a:pPr algn="l" rtl="0"/>
-            <a:r>
-              <a:rPr lang="en-US" sz="1200" dirty="0">
+            <a:pPr lvl="2" algn="l" rtl="0"/>
+            <a:r>
+              <a:rPr lang="en-US" sz="1200" dirty="0" err="1">
                 <a:solidFill>
                   <a:srgbClr val="000000"/>
                 </a:solidFill>
                 <a:latin typeface="Cascadia Mono" panose="020B0609020000020004" pitchFamily="49" charset="0"/>
               </a:rPr>
-              <a:t>                </a:t>
-            </a:r>
-            <a:r>
-              <a:rPr lang="en-US" sz="1200" dirty="0" err="1">
+              <a:t>OnFinish</a:t>
+            </a:r>
+            <a:r>
+              <a:rPr lang="en-US" sz="1200" dirty="0">
                 <a:solidFill>
                   <a:srgbClr val="000000"/>
                 </a:solidFill>
                 <a:latin typeface="Cascadia Mono" panose="020B0609020000020004" pitchFamily="49" charset="0"/>
               </a:rPr>
-              <a:t>Thread.Sleep</a:t>
-            </a:r>
-            <a:r>
-              <a:rPr lang="en-US" sz="1200" dirty="0">
-                <a:solidFill>
-                  <a:srgbClr val="000000"/>
-                </a:solidFill>
-                <a:latin typeface="Cascadia Mono" panose="020B0609020000020004" pitchFamily="49" charset="0"/>
-              </a:rPr>
-              <a:t>(</a:t>
+              <a:t>?.Invoke(</a:t>
             </a:r>
             <a:r>
               <a:rPr lang="en-US" sz="1200" dirty="0" err="1">
@@ -27157,67 +27600,10 @@
                 </a:solidFill>
                 <a:latin typeface="Cascadia Mono" panose="020B0609020000020004" pitchFamily="49" charset="0"/>
               </a:rPr>
-              <a:t>.timeInMiliSec</a:t>
-            </a:r>
-            <a:r>
-              <a:rPr lang="en-US" sz="1200" dirty="0">
-                <a:solidFill>
-                  <a:srgbClr val="000000"/>
-                </a:solidFill>
-                <a:latin typeface="Cascadia Mono" panose="020B0609020000020004" pitchFamily="49" charset="0"/>
-              </a:rPr>
-              <a:t> / 25);</a:t>
-            </a:r>
-          </a:p>
-          <a:p>
-            <a:pPr algn="l" rtl="0"/>
-            <a:r>
-              <a:rPr lang="en-US" sz="1200" dirty="0">
-                <a:solidFill>
-                  <a:srgbClr val="000000"/>
-                </a:solidFill>
-                <a:latin typeface="Cascadia Mono" panose="020B0609020000020004" pitchFamily="49" charset="0"/>
-              </a:rPr>
-              <a:t>                </a:t>
-            </a:r>
-            <a:r>
-              <a:rPr lang="en-US" sz="1200" dirty="0">
-                <a:solidFill>
-                  <a:srgbClr val="0000FF"/>
-                </a:solidFill>
-                <a:latin typeface="Cascadia Mono" panose="020B0609020000020004" pitchFamily="49" charset="0"/>
-              </a:rPr>
-              <a:t>if</a:t>
-            </a:r>
-            <a:r>
-              <a:rPr lang="en-US" sz="1200" dirty="0">
-                <a:solidFill>
-                  <a:srgbClr val="000000"/>
-                </a:solidFill>
-                <a:latin typeface="Cascadia Mono" panose="020B0609020000020004" pitchFamily="49" charset="0"/>
-              </a:rPr>
-              <a:t> (</a:t>
+              <a:t>,</a:t>
             </a:r>
             <a:r>
               <a:rPr lang="en-US" sz="1200" dirty="0" err="1">
-                <a:solidFill>
-                  <a:srgbClr val="000000"/>
-                </a:solidFill>
-                <a:latin typeface="Cascadia Mono" panose="020B0609020000020004" pitchFamily="49" charset="0"/>
-              </a:rPr>
-              <a:t>OnProgressUpdate</a:t>
-            </a:r>
-            <a:r>
-              <a:rPr lang="en-US" sz="1200" dirty="0">
-                <a:solidFill>
-                  <a:srgbClr val="000000"/>
-                </a:solidFill>
-                <a:latin typeface="Cascadia Mono" panose="020B0609020000020004" pitchFamily="49" charset="0"/>
-              </a:rPr>
-              <a:t> != </a:t>
-            </a:r>
-            <a:r>
-              <a:rPr lang="en-US" sz="1200" dirty="0">
                 <a:solidFill>
                   <a:srgbClr val="0000FF"/>
                 </a:solidFill>
@@ -27232,212 +27618,11 @@
                 </a:solidFill>
                 <a:latin typeface="Cascadia Mono" panose="020B0609020000020004" pitchFamily="49" charset="0"/>
               </a:rPr>
-              <a:t>)</a:t>
-            </a:r>
-          </a:p>
-          <a:p>
-            <a:pPr algn="l" rtl="0"/>
-            <a:r>
-              <a:rPr lang="en-US" sz="1200" dirty="0">
-                <a:solidFill>
-                  <a:srgbClr val="000000"/>
-                </a:solidFill>
-                <a:latin typeface="Cascadia Mono" panose="020B0609020000020004" pitchFamily="49" charset="0"/>
-              </a:rPr>
-              <a:t>                    </a:t>
-            </a:r>
-            <a:r>
-              <a:rPr lang="en-US" sz="1200" dirty="0" err="1">
-                <a:solidFill>
-                  <a:srgbClr val="000000"/>
-                </a:solidFill>
-                <a:latin typeface="Cascadia Mono" panose="020B0609020000020004" pitchFamily="49" charset="0"/>
-              </a:rPr>
-              <a:t>OnProgressUpdate</a:t>
-            </a:r>
-            <a:r>
-              <a:rPr lang="en-US" sz="1200" dirty="0">
-                <a:solidFill>
-                  <a:srgbClr val="000000"/>
-                </a:solidFill>
-                <a:latin typeface="Cascadia Mono" panose="020B0609020000020004" pitchFamily="49" charset="0"/>
-              </a:rPr>
-              <a:t>(</a:t>
-            </a:r>
-            <a:r>
-              <a:rPr lang="en-US" sz="1200" dirty="0">
-                <a:solidFill>
-                  <a:srgbClr val="0000FF"/>
-                </a:solidFill>
-                <a:latin typeface="Cascadia Mono" panose="020B0609020000020004" pitchFamily="49" charset="0"/>
-              </a:rPr>
-              <a:t>this</a:t>
-            </a:r>
-            <a:r>
-              <a:rPr lang="en-US" sz="1200" dirty="0">
-                <a:solidFill>
-                  <a:srgbClr val="000000"/>
-                </a:solidFill>
-                <a:latin typeface="Cascadia Mono" panose="020B0609020000020004" pitchFamily="49" charset="0"/>
-              </a:rPr>
-              <a:t>, (</a:t>
-            </a:r>
-            <a:r>
-              <a:rPr lang="en-US" sz="1200" dirty="0" err="1">
-                <a:solidFill>
-                  <a:srgbClr val="000000"/>
-                </a:solidFill>
-                <a:latin typeface="Cascadia Mono" panose="020B0609020000020004" pitchFamily="49" charset="0"/>
-              </a:rPr>
-              <a:t>i</a:t>
-            </a:r>
-            <a:r>
-              <a:rPr lang="en-US" sz="1200" dirty="0">
-                <a:solidFill>
-                  <a:srgbClr val="000000"/>
-                </a:solidFill>
-                <a:latin typeface="Cascadia Mono" panose="020B0609020000020004" pitchFamily="49" charset="0"/>
-              </a:rPr>
-              <a:t> + 1) * 4);</a:t>
-            </a:r>
-          </a:p>
-          <a:p>
-            <a:pPr algn="l" rtl="0"/>
-            <a:r>
-              <a:rPr lang="en-IL" sz="1200" dirty="0">
-                <a:solidFill>
-                  <a:srgbClr val="000000"/>
-                </a:solidFill>
-                <a:latin typeface="Cascadia Mono" panose="020B0609020000020004" pitchFamily="49" charset="0"/>
-              </a:rPr>
-              <a:t>            }</a:t>
-            </a:r>
-          </a:p>
-          <a:p>
-            <a:pPr algn="l" rtl="0"/>
-            <a:r>
-              <a:rPr lang="en-US" sz="1200" dirty="0">
-                <a:solidFill>
-                  <a:srgbClr val="000000"/>
-                </a:solidFill>
-                <a:latin typeface="Cascadia Mono" panose="020B0609020000020004" pitchFamily="49" charset="0"/>
-              </a:rPr>
-              <a:t>            </a:t>
-            </a:r>
-            <a:r>
-              <a:rPr lang="en-US" sz="1200" dirty="0">
-                <a:solidFill>
-                  <a:srgbClr val="0000FF"/>
-                </a:solidFill>
-                <a:latin typeface="Cascadia Mono" panose="020B0609020000020004" pitchFamily="49" charset="0"/>
-              </a:rPr>
-              <a:t>if</a:t>
-            </a:r>
-            <a:r>
-              <a:rPr lang="en-US" sz="1200" dirty="0">
-                <a:solidFill>
-                  <a:srgbClr val="000000"/>
-                </a:solidFill>
-                <a:latin typeface="Cascadia Mono" panose="020B0609020000020004" pitchFamily="49" charset="0"/>
-              </a:rPr>
-              <a:t> (</a:t>
-            </a:r>
-            <a:r>
-              <a:rPr lang="en-US" sz="1200" dirty="0" err="1">
-                <a:solidFill>
-                  <a:srgbClr val="000000"/>
-                </a:solidFill>
-                <a:latin typeface="Cascadia Mono" panose="020B0609020000020004" pitchFamily="49" charset="0"/>
-              </a:rPr>
-              <a:t>OnFinish</a:t>
-            </a:r>
-            <a:r>
-              <a:rPr lang="en-US" sz="1200" dirty="0">
-                <a:solidFill>
-                  <a:srgbClr val="000000"/>
-                </a:solidFill>
-                <a:latin typeface="Cascadia Mono" panose="020B0609020000020004" pitchFamily="49" charset="0"/>
-              </a:rPr>
-              <a:t> != </a:t>
-            </a:r>
-            <a:r>
-              <a:rPr lang="en-US" sz="1200" dirty="0">
-                <a:solidFill>
-                  <a:srgbClr val="0000FF"/>
-                </a:solidFill>
-                <a:latin typeface="Cascadia Mono" panose="020B0609020000020004" pitchFamily="49" charset="0"/>
-              </a:rPr>
-              <a:t>null</a:t>
-            </a:r>
-            <a:r>
-              <a:rPr lang="en-US" sz="1200" dirty="0">
-                <a:solidFill>
-                  <a:srgbClr val="000000"/>
-                </a:solidFill>
-                <a:latin typeface="Cascadia Mono" panose="020B0609020000020004" pitchFamily="49" charset="0"/>
-              </a:rPr>
-              <a:t>)</a:t>
-            </a:r>
-          </a:p>
-          <a:p>
-            <a:pPr algn="l" rtl="0"/>
-            <a:r>
-              <a:rPr lang="en-US" sz="1200" dirty="0">
-                <a:solidFill>
-                  <a:srgbClr val="000000"/>
-                </a:solidFill>
-                <a:latin typeface="Cascadia Mono" panose="020B0609020000020004" pitchFamily="49" charset="0"/>
-              </a:rPr>
-              <a:t>                </a:t>
-            </a:r>
-            <a:r>
-              <a:rPr lang="en-US" sz="1200" dirty="0" err="1">
-                <a:solidFill>
-                  <a:srgbClr val="000000"/>
-                </a:solidFill>
-                <a:latin typeface="Cascadia Mono" panose="020B0609020000020004" pitchFamily="49" charset="0"/>
-              </a:rPr>
-              <a:t>OnFinish</a:t>
-            </a:r>
-            <a:r>
-              <a:rPr lang="en-US" sz="1200" dirty="0">
-                <a:solidFill>
-                  <a:srgbClr val="000000"/>
-                </a:solidFill>
-                <a:latin typeface="Cascadia Mono" panose="020B0609020000020004" pitchFamily="49" charset="0"/>
-              </a:rPr>
-              <a:t>(</a:t>
-            </a:r>
-            <a:r>
-              <a:rPr lang="en-US" sz="1200" dirty="0">
-                <a:solidFill>
-                  <a:srgbClr val="0000FF"/>
-                </a:solidFill>
-                <a:latin typeface="Cascadia Mono" panose="020B0609020000020004" pitchFamily="49" charset="0"/>
-              </a:rPr>
-              <a:t>this</a:t>
-            </a:r>
-            <a:r>
-              <a:rPr lang="en-US" sz="1200" dirty="0">
-                <a:solidFill>
-                  <a:srgbClr val="000000"/>
-                </a:solidFill>
-                <a:latin typeface="Cascadia Mono" panose="020B0609020000020004" pitchFamily="49" charset="0"/>
-              </a:rPr>
-              <a:t>);</a:t>
-            </a:r>
-          </a:p>
-          <a:p>
-            <a:pPr algn="l" rtl="0"/>
-            <a:r>
-              <a:rPr lang="en-US" sz="1200" dirty="0">
-                <a:solidFill>
-                  <a:srgbClr val="000000"/>
-                </a:solidFill>
-                <a:latin typeface="Cascadia Mono" panose="020B0609020000020004" pitchFamily="49" charset="0"/>
-              </a:rPr>
-              <a:t>            </a:t>
-            </a:r>
+              <a:t>); </a:t>
+            </a:r>
+          </a:p>
+          <a:p>
+            <a:pPr lvl="2" algn="l" rtl="0"/>
             <a:r>
               <a:rPr lang="en-US" sz="1200" dirty="0">
                 <a:solidFill>
@@ -27475,7 +27660,7 @@
                 </a:solidFill>
                 <a:latin typeface="Cascadia Mono" panose="020B0609020000020004" pitchFamily="49" charset="0"/>
               </a:rPr>
-              <a:t>        </a:t>
+              <a:t> </a:t>
             </a:r>
             <a:r>
               <a:rPr lang="en-US" sz="1200" dirty="0">
@@ -27497,194 +27682,7 @@
             </a:r>
           </a:p>
           <a:p>
-            <a:pPr algn="l" rtl="0"/>
-            <a:r>
-              <a:rPr lang="en-US" sz="1200" dirty="0">
-                <a:solidFill>
-                  <a:srgbClr val="000000"/>
-                </a:solidFill>
-                <a:latin typeface="Cascadia Mono" panose="020B0609020000020004" pitchFamily="49" charset="0"/>
-              </a:rPr>
-              <a:t>        </a:t>
-            </a:r>
-            <a:r>
-              <a:rPr lang="en-US" sz="1200" dirty="0">
-                <a:solidFill>
-                  <a:srgbClr val="0000FF"/>
-                </a:solidFill>
-                <a:latin typeface="Cascadia Mono" panose="020B0609020000020004" pitchFamily="49" charset="0"/>
-              </a:rPr>
-              <a:t>public</a:t>
-            </a:r>
-            <a:r>
-              <a:rPr lang="en-US" sz="1200" dirty="0">
-                <a:solidFill>
-                  <a:srgbClr val="000000"/>
-                </a:solidFill>
-                <a:latin typeface="Cascadia Mono" panose="020B0609020000020004" pitchFamily="49" charset="0"/>
-              </a:rPr>
-              <a:t> </a:t>
-            </a:r>
-            <a:r>
-              <a:rPr lang="en-US" sz="1200" dirty="0">
-                <a:solidFill>
-                  <a:srgbClr val="0000FF"/>
-                </a:solidFill>
-                <a:latin typeface="Cascadia Mono" panose="020B0609020000020004" pitchFamily="49" charset="0"/>
-              </a:rPr>
-              <a:t>delegate</a:t>
-            </a:r>
-            <a:r>
-              <a:rPr lang="en-US" sz="1200" dirty="0">
-                <a:solidFill>
-                  <a:srgbClr val="000000"/>
-                </a:solidFill>
-                <a:latin typeface="Cascadia Mono" panose="020B0609020000020004" pitchFamily="49" charset="0"/>
-              </a:rPr>
-              <a:t> </a:t>
-            </a:r>
-            <a:r>
-              <a:rPr lang="en-US" sz="1200" dirty="0">
-                <a:solidFill>
-                  <a:srgbClr val="0000FF"/>
-                </a:solidFill>
-                <a:latin typeface="Cascadia Mono" panose="020B0609020000020004" pitchFamily="49" charset="0"/>
-              </a:rPr>
-              <a:t>void</a:t>
-            </a:r>
-            <a:r>
-              <a:rPr lang="en-US" sz="1200" dirty="0">
-                <a:solidFill>
-                  <a:srgbClr val="000000"/>
-                </a:solidFill>
-                <a:latin typeface="Cascadia Mono" panose="020B0609020000020004" pitchFamily="49" charset="0"/>
-              </a:rPr>
-              <a:t> </a:t>
-            </a:r>
-            <a:r>
-              <a:rPr lang="en-US" sz="1200" dirty="0" err="1">
-                <a:solidFill>
-                  <a:srgbClr val="2B91AF"/>
-                </a:solidFill>
-                <a:latin typeface="Cascadia Mono" panose="020B0609020000020004" pitchFamily="49" charset="0"/>
-              </a:rPr>
-              <a:t>ProgressEventHandler</a:t>
-            </a:r>
-            <a:r>
-              <a:rPr lang="en-US" sz="1200" dirty="0">
-                <a:solidFill>
-                  <a:srgbClr val="000000"/>
-                </a:solidFill>
-                <a:latin typeface="Cascadia Mono" panose="020B0609020000020004" pitchFamily="49" charset="0"/>
-              </a:rPr>
-              <a:t>(Object sender, </a:t>
-            </a:r>
-            <a:r>
-              <a:rPr lang="en-US" sz="1200" dirty="0">
-                <a:solidFill>
-                  <a:srgbClr val="0000FF"/>
-                </a:solidFill>
-                <a:latin typeface="Cascadia Mono" panose="020B0609020000020004" pitchFamily="49" charset="0"/>
-              </a:rPr>
-              <a:t>int</a:t>
-            </a:r>
-            <a:r>
-              <a:rPr lang="en-US" sz="1200" dirty="0">
-                <a:solidFill>
-                  <a:srgbClr val="000000"/>
-                </a:solidFill>
-                <a:latin typeface="Cascadia Mono" panose="020B0609020000020004" pitchFamily="49" charset="0"/>
-              </a:rPr>
-              <a:t> percent);</a:t>
-            </a:r>
-          </a:p>
-          <a:p>
-            <a:pPr algn="l" rtl="0"/>
-            <a:r>
-              <a:rPr lang="en-US" sz="1200" dirty="0">
-                <a:solidFill>
-                  <a:srgbClr val="000000"/>
-                </a:solidFill>
-                <a:latin typeface="Cascadia Mono" panose="020B0609020000020004" pitchFamily="49" charset="0"/>
-              </a:rPr>
-              <a:t>        </a:t>
-            </a:r>
-            <a:r>
-              <a:rPr lang="en-US" sz="1200" dirty="0">
-                <a:solidFill>
-                  <a:srgbClr val="0000FF"/>
-                </a:solidFill>
-                <a:latin typeface="Cascadia Mono" panose="020B0609020000020004" pitchFamily="49" charset="0"/>
-              </a:rPr>
-              <a:t>public</a:t>
-            </a:r>
-            <a:r>
-              <a:rPr lang="en-US" sz="1200" dirty="0">
-                <a:solidFill>
-                  <a:srgbClr val="000000"/>
-                </a:solidFill>
-                <a:latin typeface="Cascadia Mono" panose="020B0609020000020004" pitchFamily="49" charset="0"/>
-              </a:rPr>
-              <a:t> </a:t>
-            </a:r>
-            <a:r>
-              <a:rPr lang="en-US" sz="1200" dirty="0">
-                <a:solidFill>
-                  <a:srgbClr val="0000FF"/>
-                </a:solidFill>
-                <a:latin typeface="Cascadia Mono" panose="020B0609020000020004" pitchFamily="49" charset="0"/>
-              </a:rPr>
-              <a:t>event</a:t>
-            </a:r>
-            <a:r>
-              <a:rPr lang="en-US" sz="1200" dirty="0">
-                <a:solidFill>
-                  <a:srgbClr val="000000"/>
-                </a:solidFill>
-                <a:latin typeface="Cascadia Mono" panose="020B0609020000020004" pitchFamily="49" charset="0"/>
-              </a:rPr>
-              <a:t> </a:t>
-            </a:r>
-            <a:r>
-              <a:rPr lang="en-US" sz="1200" dirty="0" err="1">
-                <a:solidFill>
-                  <a:srgbClr val="000000"/>
-                </a:solidFill>
-                <a:latin typeface="Cascadia Mono" panose="020B0609020000020004" pitchFamily="49" charset="0"/>
-              </a:rPr>
-              <a:t>ProgressEventHandler</a:t>
-            </a:r>
-            <a:r>
-              <a:rPr lang="en-US" sz="1200" dirty="0">
-                <a:solidFill>
-                  <a:srgbClr val="000000"/>
-                </a:solidFill>
-                <a:latin typeface="Cascadia Mono" panose="020B0609020000020004" pitchFamily="49" charset="0"/>
-              </a:rPr>
-              <a:t> </a:t>
-            </a:r>
-            <a:r>
-              <a:rPr lang="en-US" sz="1200" dirty="0" err="1">
-                <a:solidFill>
-                  <a:srgbClr val="000000"/>
-                </a:solidFill>
-                <a:latin typeface="Cascadia Mono" panose="020B0609020000020004" pitchFamily="49" charset="0"/>
-              </a:rPr>
-              <a:t>OnProgressUpdate</a:t>
-            </a:r>
-            <a:r>
-              <a:rPr lang="en-US" sz="1200" dirty="0">
-                <a:solidFill>
-                  <a:srgbClr val="000000"/>
-                </a:solidFill>
-                <a:latin typeface="Cascadia Mono" panose="020B0609020000020004" pitchFamily="49" charset="0"/>
-              </a:rPr>
-              <a:t>;</a:t>
-            </a:r>
-          </a:p>
-          <a:p>
-            <a:pPr algn="l" rtl="0"/>
-            <a:endParaRPr lang="en-IL" sz="1200" dirty="0">
+            <a:endParaRPr lang="he-IL" sz="1200" dirty="0">
               <a:solidFill>
                 <a:srgbClr val="000000"/>
               </a:solidFill>
@@ -27694,7 +27692,7 @@
           <a:p>
             <a:pPr algn="l" rtl="0"/>
             <a:r>
-              <a:rPr lang="en-US" sz="1200" dirty="0">
+              <a:rPr lang="en-GB" sz="1200" dirty="0">
                 <a:solidFill>
                   <a:srgbClr val="000000"/>
                 </a:solidFill>
@@ -27703,7 +27701,7 @@
               <a:t>        </a:t>
             </a:r>
             <a:r>
-              <a:rPr lang="en-US" sz="1200" dirty="0">
+              <a:rPr lang="en-GB" sz="1200" dirty="0">
                 <a:solidFill>
                   <a:srgbClr val="0000FF"/>
                 </a:solidFill>
@@ -27712,7 +27710,7 @@
               <a:t>public</a:t>
             </a:r>
             <a:r>
-              <a:rPr lang="en-US" sz="1200" dirty="0">
+              <a:rPr lang="en-GB" sz="1200" dirty="0">
                 <a:solidFill>
                   <a:srgbClr val="000000"/>
                 </a:solidFill>
@@ -27721,16 +27719,16 @@
               <a:t> </a:t>
             </a:r>
             <a:r>
-              <a:rPr lang="en-US" sz="1200" dirty="0">
+              <a:rPr lang="en-GB" sz="1200" dirty="0">
                 <a:solidFill>
                   <a:srgbClr val="0000FF"/>
                 </a:solidFill>
                 <a:latin typeface="Cascadia Mono" panose="020B0609020000020004" pitchFamily="49" charset="0"/>
               </a:rPr>
-              <a:t>delegate</a:t>
-            </a:r>
-            <a:r>
-              <a:rPr lang="en-US" sz="1200" dirty="0">
+              <a:t>event</a:t>
+            </a:r>
+            <a:r>
+              <a:rPr lang="en-GB" sz="1200" dirty="0">
                 <a:solidFill>
                   <a:srgbClr val="000000"/>
                 </a:solidFill>
@@ -27739,13 +27737,79 @@
               <a:t> </a:t>
             </a:r>
             <a:r>
-              <a:rPr lang="en-US" sz="1200" dirty="0">
-                <a:solidFill>
-                  <a:srgbClr val="0000FF"/>
+              <a:rPr lang="en-GB" sz="1200" dirty="0" err="1">
+                <a:solidFill>
+                  <a:srgbClr val="2B91AF"/>
                 </a:solidFill>
                 <a:latin typeface="Cascadia Mono" panose="020B0609020000020004" pitchFamily="49" charset="0"/>
               </a:rPr>
-              <a:t>void</a:t>
+              <a:t>EventHandler</a:t>
+            </a:r>
+            <a:r>
+              <a:rPr lang="en-GB" sz="1200" dirty="0">
+                <a:solidFill>
+                  <a:srgbClr val="000000"/>
+                </a:solidFill>
+                <a:latin typeface="Cascadia Mono" panose="020B0609020000020004" pitchFamily="49" charset="0"/>
+              </a:rPr>
+              <a:t>&lt;</a:t>
+            </a:r>
+            <a:r>
+              <a:rPr lang="en-GB" sz="1200" dirty="0" err="1">
+                <a:solidFill>
+                  <a:srgbClr val="2B91AF"/>
+                </a:solidFill>
+                <a:latin typeface="Cascadia Mono" panose="020B0609020000020004" pitchFamily="49" charset="0"/>
+              </a:rPr>
+              <a:t>ProgressEventArgs</a:t>
+            </a:r>
+            <a:r>
+              <a:rPr lang="en-GB" sz="1200" dirty="0">
+                <a:solidFill>
+                  <a:srgbClr val="000000"/>
+                </a:solidFill>
+                <a:latin typeface="Cascadia Mono" panose="020B0609020000020004" pitchFamily="49" charset="0"/>
+              </a:rPr>
+              <a:t>&gt; </a:t>
+            </a:r>
+            <a:r>
+              <a:rPr lang="en-GB" sz="1200" dirty="0" err="1">
+                <a:solidFill>
+                  <a:srgbClr val="000000"/>
+                </a:solidFill>
+                <a:latin typeface="Cascadia Mono" panose="020B0609020000020004" pitchFamily="49" charset="0"/>
+              </a:rPr>
+              <a:t>OnProgressUpdate</a:t>
+            </a:r>
+            <a:r>
+              <a:rPr lang="en-GB" sz="1200" dirty="0">
+                <a:solidFill>
+                  <a:srgbClr val="000000"/>
+                </a:solidFill>
+                <a:latin typeface="Cascadia Mono" panose="020B0609020000020004" pitchFamily="49" charset="0"/>
+              </a:rPr>
+              <a:t>;</a:t>
+            </a:r>
+          </a:p>
+          <a:p>
+            <a:pPr algn="l" rtl="0"/>
+            <a:r>
+              <a:rPr lang="en-US" sz="1200" dirty="0">
+                <a:solidFill>
+                  <a:srgbClr val="000000"/>
+                </a:solidFill>
+                <a:latin typeface="Cascadia Mono" panose="020B0609020000020004" pitchFamily="49" charset="0"/>
+              </a:rPr>
+              <a:t>        </a:t>
+            </a:r>
+            <a:r>
+              <a:rPr lang="en-US" sz="1200" dirty="0">
+                <a:solidFill>
+                  <a:srgbClr val="0000FF"/>
+                </a:solidFill>
+                <a:latin typeface="Cascadia Mono" panose="020B0609020000020004" pitchFamily="49" charset="0"/>
+              </a:rPr>
+              <a:t>public</a:t>
             </a:r>
             <a:r>
               <a:rPr lang="en-US" sz="1200" dirty="0">
@@ -27757,13 +27821,13 @@
               <a:t> </a:t>
             </a:r>
             <a:r>
-              <a:rPr lang="en-US" sz="1200" dirty="0" err="1">
-                <a:solidFill>
-                  <a:srgbClr val="2B91AF"/>
+              <a:rPr lang="en-US" sz="1200" dirty="0">
+                <a:solidFill>
+                  <a:srgbClr val="0000FF"/>
                 </a:solidFill>
                 <a:latin typeface="Cascadia Mono" panose="020B0609020000020004" pitchFamily="49" charset="0"/>
               </a:rPr>
-              <a:t>TaskDoneEventHandler</a:t>
+              <a:t>event</a:t>
             </a:r>
             <a:r>
               <a:rPr lang="en-US" sz="1200" dirty="0">
@@ -27772,7 +27836,43 @@
                 </a:solidFill>
                 <a:latin typeface="Cascadia Mono" panose="020B0609020000020004" pitchFamily="49" charset="0"/>
               </a:rPr>
-              <a:t>(Object sender);</a:t>
+              <a:t> </a:t>
+            </a:r>
+            <a:r>
+              <a:rPr lang="en-US" sz="1200" dirty="0" err="1">
+                <a:solidFill>
+                  <a:srgbClr val="2B91AF"/>
+                </a:solidFill>
+                <a:latin typeface="Cascadia Mono" panose="020B0609020000020004" pitchFamily="49" charset="0"/>
+              </a:rPr>
+              <a:t>EventHandler</a:t>
+            </a:r>
+            <a:r>
+              <a:rPr lang="en-US" sz="1200" dirty="0">
+                <a:solidFill>
+                  <a:srgbClr val="000000"/>
+                </a:solidFill>
+                <a:latin typeface="Cascadia Mono" panose="020B0609020000020004" pitchFamily="49" charset="0"/>
+              </a:rPr>
+              <a:t> </a:t>
+            </a:r>
+            <a:r>
+              <a:rPr lang="en-US" sz="1200" dirty="0" err="1">
+                <a:solidFill>
+                  <a:srgbClr val="000000"/>
+                </a:solidFill>
+                <a:latin typeface="Cascadia Mono" panose="020B0609020000020004" pitchFamily="49" charset="0"/>
+              </a:rPr>
+              <a:t>OnFinish</a:t>
+            </a:r>
+            <a:r>
+              <a:rPr lang="en-US" sz="1200" dirty="0">
+                <a:solidFill>
+                  <a:srgbClr val="000000"/>
+                </a:solidFill>
+                <a:latin typeface="Cascadia Mono" panose="020B0609020000020004" pitchFamily="49" charset="0"/>
+              </a:rPr>
+              <a:t>;</a:t>
             </a:r>
           </a:p>
           <a:p>
@@ -27789,95 +27889,20 @@
             <a:r>
               <a:rPr lang="en-US" sz="1200" dirty="0">
                 <a:solidFill>
-                  <a:srgbClr val="0000FF"/>
-                </a:solidFill>
-                <a:latin typeface="Cascadia Mono" panose="020B0609020000020004" pitchFamily="49" charset="0"/>
-              </a:rPr>
-              <a:t>public</a:t>
-            </a:r>
-            <a:r>
-              <a:rPr lang="en-US" sz="1200" dirty="0">
-                <a:solidFill>
-                  <a:srgbClr val="000000"/>
-                </a:solidFill>
-                <a:latin typeface="Cascadia Mono" panose="020B0609020000020004" pitchFamily="49" charset="0"/>
-              </a:rPr>
-              <a:t> </a:t>
-            </a:r>
-            <a:r>
-              <a:rPr lang="en-US" sz="1200" dirty="0">
-                <a:solidFill>
-                  <a:srgbClr val="0000FF"/>
-                </a:solidFill>
-                <a:latin typeface="Cascadia Mono" panose="020B0609020000020004" pitchFamily="49" charset="0"/>
-              </a:rPr>
-              <a:t>event</a:t>
-            </a:r>
-            <a:r>
-              <a:rPr lang="en-US" sz="1200" dirty="0">
-                <a:solidFill>
-                  <a:srgbClr val="000000"/>
-                </a:solidFill>
-                <a:latin typeface="Cascadia Mono" panose="020B0609020000020004" pitchFamily="49" charset="0"/>
-              </a:rPr>
-              <a:t> </a:t>
-            </a:r>
-            <a:r>
-              <a:rPr lang="en-US" sz="1200" dirty="0" err="1">
-                <a:solidFill>
-                  <a:srgbClr val="000000"/>
-                </a:solidFill>
-                <a:latin typeface="Cascadia Mono" panose="020B0609020000020004" pitchFamily="49" charset="0"/>
-              </a:rPr>
-              <a:t>TaskDoneEventHandler</a:t>
-            </a:r>
-            <a:r>
-              <a:rPr lang="en-US" sz="1200" dirty="0">
-                <a:solidFill>
-                  <a:srgbClr val="000000"/>
-                </a:solidFill>
-                <a:latin typeface="Cascadia Mono" panose="020B0609020000020004" pitchFamily="49" charset="0"/>
-              </a:rPr>
-              <a:t> </a:t>
-            </a:r>
-            <a:r>
-              <a:rPr lang="en-US" sz="1200" dirty="0" err="1">
-                <a:solidFill>
-                  <a:srgbClr val="000000"/>
-                </a:solidFill>
-                <a:latin typeface="Cascadia Mono" panose="020B0609020000020004" pitchFamily="49" charset="0"/>
-              </a:rPr>
-              <a:t>OnFinish</a:t>
-            </a:r>
-            <a:r>
-              <a:rPr lang="en-US" sz="1200" dirty="0">
-                <a:solidFill>
-                  <a:srgbClr val="000000"/>
-                </a:solidFill>
-                <a:latin typeface="Cascadia Mono" panose="020B0609020000020004" pitchFamily="49" charset="0"/>
-              </a:rPr>
-              <a:t>;</a:t>
-            </a:r>
-          </a:p>
-          <a:p>
-            <a:pPr algn="l" rtl="0"/>
-            <a:r>
-              <a:rPr lang="en-US" sz="1200" dirty="0">
-                <a:solidFill>
-                  <a:srgbClr val="000000"/>
-                </a:solidFill>
-                <a:latin typeface="Cascadia Mono" panose="020B0609020000020004" pitchFamily="49" charset="0"/>
-              </a:rPr>
-              <a:t>        </a:t>
-            </a:r>
-            <a:r>
-              <a:rPr lang="en-US" sz="1200" dirty="0">
-                <a:solidFill>
                   <a:srgbClr val="808080"/>
                 </a:solidFill>
                 <a:latin typeface="Cascadia Mono" panose="020B0609020000020004" pitchFamily="49" charset="0"/>
               </a:rPr>
               <a:t>#endregion</a:t>
+            </a:r>
+            <a:r>
+              <a:rPr lang="en-IL" sz="1200" dirty="0">
+                <a:solidFill>
+                  <a:srgbClr val="000000"/>
+                </a:solidFill>
+                <a:latin typeface="Cascadia Mono" panose="020B0609020000020004" pitchFamily="49" charset="0"/>
+              </a:rPr>
+              <a:t>  </a:t>
             </a:r>
             <a:endParaRPr lang="en-US" sz="1200" dirty="0">
               <a:solidFill>
@@ -27895,7 +27920,7 @@
                 </a:solidFill>
                 <a:latin typeface="Cascadia Mono" panose="020B0609020000020004" pitchFamily="49" charset="0"/>
               </a:rPr>
-              <a:t>    }</a:t>
+              <a:t>  }</a:t>
             </a:r>
             <a:endParaRPr lang="he-IL" sz="1050" dirty="0"/>
           </a:p>
@@ -28062,7 +28087,7 @@
         <p:spPr>
           <a:xfrm>
             <a:off x="255570" y="836712"/>
-            <a:ext cx="6094602" cy="4185761"/>
+            <a:ext cx="6094602" cy="4154984"/>
           </a:xfrm>
           <a:prstGeom prst="rect">
             <a:avLst/>
@@ -28223,99 +28248,351 @@
           <a:p>
             <a:pPr algn="l" rtl="0"/>
             <a:r>
-              <a:rPr lang="en-US" sz="1400" dirty="0"/>
-              <a:t>        static void Progress(Object sender, int percent)</a:t>
+              <a:rPr lang="en-GB" sz="1400" dirty="0">
+                <a:solidFill>
+                  <a:srgbClr val="000000"/>
+                </a:solidFill>
+                <a:latin typeface="Cascadia Mono" panose="020B0609020000020004" pitchFamily="49" charset="0"/>
+              </a:rPr>
+              <a:t> </a:t>
+            </a:r>
+            <a:r>
+              <a:rPr lang="en-GB" sz="1200" dirty="0">
+                <a:solidFill>
+                  <a:srgbClr val="0000FF"/>
+                </a:solidFill>
+                <a:latin typeface="Cascadia Mono" panose="020B0609020000020004" pitchFamily="49" charset="0"/>
+              </a:rPr>
+              <a:t>static</a:t>
+            </a:r>
+            <a:r>
+              <a:rPr lang="en-GB" sz="1200" dirty="0">
+                <a:solidFill>
+                  <a:srgbClr val="000000"/>
+                </a:solidFill>
+                <a:latin typeface="Cascadia Mono" panose="020B0609020000020004" pitchFamily="49" charset="0"/>
+              </a:rPr>
+              <a:t> </a:t>
+            </a:r>
+            <a:r>
+              <a:rPr lang="en-GB" sz="1200" dirty="0">
+                <a:solidFill>
+                  <a:srgbClr val="0000FF"/>
+                </a:solidFill>
+                <a:latin typeface="Cascadia Mono" panose="020B0609020000020004" pitchFamily="49" charset="0"/>
+              </a:rPr>
+              <a:t>void</a:t>
+            </a:r>
+            <a:r>
+              <a:rPr lang="en-GB" sz="1200" dirty="0">
+                <a:solidFill>
+                  <a:srgbClr val="000000"/>
+                </a:solidFill>
+                <a:latin typeface="Cascadia Mono" panose="020B0609020000020004" pitchFamily="49" charset="0"/>
+              </a:rPr>
+              <a:t> Progress(</a:t>
+            </a:r>
+            <a:r>
+              <a:rPr lang="en-GB" sz="1200" dirty="0">
+                <a:solidFill>
+                  <a:srgbClr val="2B91AF"/>
+                </a:solidFill>
+                <a:latin typeface="Cascadia Mono" panose="020B0609020000020004" pitchFamily="49" charset="0"/>
+              </a:rPr>
+              <a:t>Object</a:t>
+            </a:r>
+            <a:r>
+              <a:rPr lang="en-GB" sz="1200" dirty="0">
+                <a:solidFill>
+                  <a:srgbClr val="000000"/>
+                </a:solidFill>
+                <a:latin typeface="Cascadia Mono" panose="020B0609020000020004" pitchFamily="49" charset="0"/>
+              </a:rPr>
+              <a:t> sender, </a:t>
+            </a:r>
+            <a:r>
+              <a:rPr lang="en-GB" sz="1200" dirty="0" err="1">
+                <a:solidFill>
+                  <a:srgbClr val="2B91AF"/>
+                </a:solidFill>
+                <a:latin typeface="Cascadia Mono" panose="020B0609020000020004" pitchFamily="49" charset="0"/>
+              </a:rPr>
+              <a:t>ProgressEventArgs</a:t>
+            </a:r>
+            <a:r>
+              <a:rPr lang="en-GB" sz="1200" dirty="0">
+                <a:solidFill>
+                  <a:srgbClr val="000000"/>
+                </a:solidFill>
+                <a:latin typeface="Cascadia Mono" panose="020B0609020000020004" pitchFamily="49" charset="0"/>
+              </a:rPr>
+              <a:t> e)</a:t>
             </a:r>
           </a:p>
           <a:p>
             <a:pPr algn="l" rtl="0"/>
             <a:r>
-              <a:rPr lang="en-US" sz="1400" dirty="0"/>
+              <a:rPr lang="he-IL" sz="1200" dirty="0">
+                <a:solidFill>
+                  <a:srgbClr val="000000"/>
+                </a:solidFill>
+                <a:latin typeface="Cascadia Mono" panose="020B0609020000020004" pitchFamily="49" charset="0"/>
+              </a:rPr>
               <a:t>        {</a:t>
             </a:r>
           </a:p>
           <a:p>
             <a:pPr algn="l" rtl="0"/>
             <a:r>
-              <a:rPr lang="en-US" sz="1400" dirty="0"/>
-              <a:t>            if (sender is </a:t>
-            </a:r>
-            <a:r>
-              <a:rPr lang="en-US" sz="1400" dirty="0" err="1"/>
+              <a:rPr lang="en-US" sz="1200" dirty="0">
+                <a:solidFill>
+                  <a:srgbClr val="000000"/>
+                </a:solidFill>
+                <a:latin typeface="Cascadia Mono" panose="020B0609020000020004" pitchFamily="49" charset="0"/>
+              </a:rPr>
+              <a:t>            </a:t>
+            </a:r>
+            <a:r>
+              <a:rPr lang="en-US" sz="1200" dirty="0">
+                <a:solidFill>
+                  <a:srgbClr val="0000FF"/>
+                </a:solidFill>
+                <a:latin typeface="Cascadia Mono" panose="020B0609020000020004" pitchFamily="49" charset="0"/>
+              </a:rPr>
+              <a:t>if</a:t>
+            </a:r>
+            <a:r>
+              <a:rPr lang="en-US" sz="1200" dirty="0">
+                <a:solidFill>
+                  <a:srgbClr val="000000"/>
+                </a:solidFill>
+                <a:latin typeface="Cascadia Mono" panose="020B0609020000020004" pitchFamily="49" charset="0"/>
+              </a:rPr>
+              <a:t> (sender </a:t>
+            </a:r>
+            <a:r>
+              <a:rPr lang="en-US" sz="1200" dirty="0">
+                <a:solidFill>
+                  <a:srgbClr val="0000FF"/>
+                </a:solidFill>
+                <a:latin typeface="Cascadia Mono" panose="020B0609020000020004" pitchFamily="49" charset="0"/>
+              </a:rPr>
+              <a:t>is</a:t>
+            </a:r>
+            <a:r>
+              <a:rPr lang="en-US" sz="1200" dirty="0">
+                <a:solidFill>
+                  <a:srgbClr val="000000"/>
+                </a:solidFill>
+                <a:latin typeface="Cascadia Mono" panose="020B0609020000020004" pitchFamily="49" charset="0"/>
+              </a:rPr>
+              <a:t> </a:t>
+            </a:r>
+            <a:r>
+              <a:rPr lang="en-US" sz="1200" dirty="0" err="1">
+                <a:solidFill>
+                  <a:srgbClr val="2B91AF"/>
+                </a:solidFill>
+                <a:latin typeface="Cascadia Mono" panose="020B0609020000020004" pitchFamily="49" charset="0"/>
+              </a:rPr>
               <a:t>TaskExecutor</a:t>
             </a:r>
             <a:r>
-              <a:rPr lang="en-US" sz="1400" dirty="0"/>
+              <a:rPr lang="en-US" sz="1200" dirty="0">
+                <a:solidFill>
+                  <a:srgbClr val="000000"/>
+                </a:solidFill>
+                <a:latin typeface="Cascadia Mono" panose="020B0609020000020004" pitchFamily="49" charset="0"/>
+              </a:rPr>
               <a:t>)</a:t>
             </a:r>
           </a:p>
           <a:p>
             <a:pPr algn="l" rtl="0"/>
             <a:r>
-              <a:rPr lang="en-US" sz="1400" dirty="0"/>
+              <a:rPr lang="he-IL" sz="1200" dirty="0">
+                <a:solidFill>
+                  <a:srgbClr val="000000"/>
+                </a:solidFill>
+                <a:latin typeface="Cascadia Mono" panose="020B0609020000020004" pitchFamily="49" charset="0"/>
+              </a:rPr>
               <a:t>            {</a:t>
             </a:r>
           </a:p>
           <a:p>
             <a:pPr algn="l" rtl="0"/>
             <a:r>
-              <a:rPr lang="en-US" sz="1400" dirty="0"/>
+              <a:rPr lang="en-US" sz="1200" dirty="0">
+                <a:solidFill>
+                  <a:srgbClr val="000000"/>
+                </a:solidFill>
+                <a:latin typeface="Cascadia Mono" panose="020B0609020000020004" pitchFamily="49" charset="0"/>
+              </a:rPr>
               <a:t>                </a:t>
             </a:r>
             <a:r>
-              <a:rPr lang="en-US" sz="1400" dirty="0" err="1"/>
+              <a:rPr lang="en-US" sz="1200" dirty="0" err="1">
+                <a:solidFill>
+                  <a:srgbClr val="2B91AF"/>
+                </a:solidFill>
+                <a:latin typeface="Cascadia Mono" panose="020B0609020000020004" pitchFamily="49" charset="0"/>
+              </a:rPr>
               <a:t>TaskExecutor</a:t>
             </a:r>
             <a:r>
-              <a:rPr lang="en-US" sz="1400" dirty="0"/>
+              <a:rPr lang="en-US" sz="1200" dirty="0">
+                <a:solidFill>
+                  <a:srgbClr val="000000"/>
+                </a:solidFill>
+                <a:latin typeface="Cascadia Mono" panose="020B0609020000020004" pitchFamily="49" charset="0"/>
+              </a:rPr>
               <a:t> obj = (</a:t>
             </a:r>
             <a:r>
-              <a:rPr lang="en-US" sz="1400" dirty="0" err="1"/>
+              <a:rPr lang="en-US" sz="1200" dirty="0" err="1">
+                <a:solidFill>
+                  <a:srgbClr val="2B91AF"/>
+                </a:solidFill>
+                <a:latin typeface="Cascadia Mono" panose="020B0609020000020004" pitchFamily="49" charset="0"/>
+              </a:rPr>
               <a:t>TaskExecutor</a:t>
             </a:r>
             <a:r>
-              <a:rPr lang="en-US" sz="1400" dirty="0"/>
+              <a:rPr lang="en-US" sz="1200" dirty="0">
+                <a:solidFill>
+                  <a:srgbClr val="000000"/>
+                </a:solidFill>
+                <a:latin typeface="Cascadia Mono" panose="020B0609020000020004" pitchFamily="49" charset="0"/>
+              </a:rPr>
               <a:t>)sender;</a:t>
             </a:r>
           </a:p>
           <a:p>
             <a:pPr algn="l" rtl="0"/>
             <a:r>
-              <a:rPr lang="en-US" sz="1400" dirty="0"/>
-              <a:t>                </a:t>
-            </a:r>
-            <a:r>
-              <a:rPr lang="en-US" sz="1400" dirty="0" err="1"/>
-              <a:t>Console.WriteLine</a:t>
-            </a:r>
-            <a:r>
-              <a:rPr lang="en-US" sz="1400" dirty="0"/>
-              <a:t>($"Progress for {</a:t>
-            </a:r>
-            <a:r>
-              <a:rPr lang="en-US" sz="1400" dirty="0" err="1"/>
+              <a:rPr lang="en-GB" sz="1200" dirty="0">
+                <a:solidFill>
+                  <a:srgbClr val="000000"/>
+                </a:solidFill>
+                <a:latin typeface="Cascadia Mono" panose="020B0609020000020004" pitchFamily="49" charset="0"/>
+              </a:rPr>
+              <a:t>                Console.WriteLine(</a:t>
+            </a:r>
+            <a:r>
+              <a:rPr lang="en-GB" sz="1200" dirty="0">
+                <a:solidFill>
+                  <a:srgbClr val="A31515"/>
+                </a:solidFill>
+                <a:latin typeface="Cascadia Mono" panose="020B0609020000020004" pitchFamily="49" charset="0"/>
+              </a:rPr>
+              <a:t>$"Progress for </a:t>
+            </a:r>
+            <a:r>
+              <a:rPr lang="en-GB" sz="1200" dirty="0">
+                <a:solidFill>
+                  <a:srgbClr val="000000"/>
+                </a:solidFill>
+                <a:latin typeface="Cascadia Mono" panose="020B0609020000020004" pitchFamily="49" charset="0"/>
+              </a:rPr>
+              <a:t>{</a:t>
+            </a:r>
+            <a:r>
+              <a:rPr lang="en-GB" sz="1200" dirty="0" err="1">
+                <a:solidFill>
+                  <a:srgbClr val="000000"/>
+                </a:solidFill>
+                <a:latin typeface="Cascadia Mono" panose="020B0609020000020004" pitchFamily="49" charset="0"/>
+              </a:rPr>
               <a:t>obj.Name</a:t>
             </a:r>
             <a:r>
-              <a:rPr lang="en-US" sz="1400" dirty="0"/>
-              <a:t>}: {percent}%");</a:t>
+              <a:rPr lang="en-GB" sz="1200" dirty="0">
+                <a:solidFill>
+                  <a:srgbClr val="000000"/>
+                </a:solidFill>
+                <a:latin typeface="Cascadia Mono" panose="020B0609020000020004" pitchFamily="49" charset="0"/>
+              </a:rPr>
+              <a:t>}</a:t>
+            </a:r>
+            <a:r>
+              <a:rPr lang="en-GB" sz="1200" dirty="0">
+                <a:solidFill>
+                  <a:srgbClr val="A31515"/>
+                </a:solidFill>
+                <a:latin typeface="Cascadia Mono" panose="020B0609020000020004" pitchFamily="49" charset="0"/>
+              </a:rPr>
+              <a:t>: </a:t>
+            </a:r>
+            <a:r>
+              <a:rPr lang="en-GB" sz="1200" dirty="0">
+                <a:solidFill>
+                  <a:srgbClr val="000000"/>
+                </a:solidFill>
+                <a:latin typeface="Cascadia Mono" panose="020B0609020000020004" pitchFamily="49" charset="0"/>
+              </a:rPr>
+              <a:t>{</a:t>
+            </a:r>
+            <a:r>
+              <a:rPr lang="en-GB" sz="1200" dirty="0" err="1">
+                <a:solidFill>
+                  <a:srgbClr val="000000"/>
+                </a:solidFill>
+                <a:latin typeface="Cascadia Mono" panose="020B0609020000020004" pitchFamily="49" charset="0"/>
+              </a:rPr>
+              <a:t>e.Percentage</a:t>
+            </a:r>
+            <a:r>
+              <a:rPr lang="en-GB" sz="1200" dirty="0">
+                <a:solidFill>
+                  <a:srgbClr val="000000"/>
+                </a:solidFill>
+                <a:latin typeface="Cascadia Mono" panose="020B0609020000020004" pitchFamily="49" charset="0"/>
+              </a:rPr>
+              <a:t>}</a:t>
+            </a:r>
+            <a:r>
+              <a:rPr lang="en-GB" sz="1200" dirty="0">
+                <a:solidFill>
+                  <a:srgbClr val="A31515"/>
+                </a:solidFill>
+                <a:latin typeface="Cascadia Mono" panose="020B0609020000020004" pitchFamily="49" charset="0"/>
+              </a:rPr>
+              <a:t>%"</a:t>
+            </a:r>
+            <a:r>
+              <a:rPr lang="en-GB" sz="1200" dirty="0">
+                <a:solidFill>
+                  <a:srgbClr val="000000"/>
+                </a:solidFill>
+                <a:latin typeface="Cascadia Mono" panose="020B0609020000020004" pitchFamily="49" charset="0"/>
+              </a:rPr>
+              <a:t>);</a:t>
             </a:r>
           </a:p>
           <a:p>
             <a:pPr algn="l" rtl="0"/>
             <a:r>
-              <a:rPr lang="en-US" sz="1400" dirty="0"/>
+              <a:rPr lang="he-IL" sz="1200" dirty="0">
+                <a:solidFill>
+                  <a:srgbClr val="000000"/>
+                </a:solidFill>
+                <a:latin typeface="Cascadia Mono" panose="020B0609020000020004" pitchFamily="49" charset="0"/>
+              </a:rPr>
               <a:t>            }</a:t>
             </a:r>
           </a:p>
           <a:p>
             <a:pPr algn="l" rtl="0"/>
             <a:r>
-              <a:rPr lang="en-US" sz="1400" dirty="0"/>
+              <a:rPr lang="he-IL" sz="1200" dirty="0">
+                <a:solidFill>
+                  <a:srgbClr val="000000"/>
+                </a:solidFill>
+                <a:latin typeface="Cascadia Mono" panose="020B0609020000020004" pitchFamily="49" charset="0"/>
+              </a:rPr>
               <a:t>        }</a:t>
             </a:r>
-            <a:endParaRPr lang="he-IL" sz="1400" dirty="0"/>
+            <a:endParaRPr lang="he-IL" sz="1200" dirty="0"/>
           </a:p>
         </p:txBody>
       </p:sp>
